--- a/4.1  Logical Database Design.pptx
+++ b/4.1  Logical Database Design.pptx
@@ -8927,11 +8927,7 @@
             </a:pPr>
             <a:r>
               <a:rPr lang="en-CA" sz="1800" dirty="0" smtClean="0"/>
-              <a:t>Here we used option 8A for PERSON/{EMPLOYEE, ALUMNUS, STUDENT</a:t>
-            </a:r>
-            <a:r>
-              <a:rPr lang="en-CA" sz="1800" dirty="0" smtClean="0"/>
-              <a:t>}</a:t>
+              <a:t>Here we used option 8A for PERSON/{EMPLOYEE, ALUMNUS, STUDENT}</a:t>
             </a:r>
             <a:endParaRPr lang="en-US" dirty="0"/>
           </a:p>
@@ -9042,15 +9038,7 @@
             </a:pPr>
             <a:r>
               <a:rPr lang="en-CA" sz="1800" dirty="0" smtClean="0"/>
-              <a:t>Here we used </a:t>
-            </a:r>
-            <a:r>
-              <a:rPr lang="en-CA" sz="1800" dirty="0" smtClean="0"/>
-              <a:t>option </a:t>
-            </a:r>
-            <a:r>
-              <a:rPr lang="en-CA" sz="1800" dirty="0" smtClean="0"/>
-              <a:t>8C for EMPLOYEE/{STAFF, FACULTY, STUDENT_ASSISTANT} by including the type attribute </a:t>
+              <a:t>Here we used option 8C for EMPLOYEE/{STAFF, FACULTY, STUDENT_ASSISTANT} by including the type attribute </a:t>
             </a:r>
             <a:r>
               <a:rPr lang="en-CA" sz="1800" dirty="0" err="1" smtClean="0"/>
@@ -9169,11 +9157,7 @@
             </a:pPr>
             <a:r>
               <a:rPr lang="en-CA" sz="1800" dirty="0" smtClean="0"/>
-              <a:t>We </a:t>
-            </a:r>
-            <a:r>
-              <a:rPr lang="en-CA" sz="1800" dirty="0" smtClean="0"/>
-              <a:t>then used the single-table option 8D for STUDENT_ASSISTANT/{RESEARCH_ASSISTANT, TEACHING_ASSISTANT} by including the type attributes </a:t>
+              <a:t>We then used the single-table option 8D for STUDENT_ASSISTANT/{RESEARCH_ASSISTANT, TEACHING_ASSISTANT} by including the type attributes </a:t>
             </a:r>
             <a:r>
               <a:rPr lang="en-CA" sz="1800" dirty="0" err="1" smtClean="0"/>
@@ -9568,11 +9552,7 @@
             </a:pPr>
             <a:r>
               <a:rPr lang="en-CA" sz="1800" dirty="0" smtClean="0"/>
-              <a:t>We </a:t>
-            </a:r>
-            <a:r>
-              <a:rPr lang="en-CA" sz="1800" dirty="0" smtClean="0"/>
-              <a:t>also used option 8D for STUDENT/STUDENT_ASSISTANT by including the type attributes </a:t>
+              <a:t>We also used option 8D for STUDENT/STUDENT_ASSISTANT by including the type attributes </a:t>
             </a:r>
             <a:r>
               <a:rPr lang="en-CA" sz="1800" dirty="0" err="1" smtClean="0"/>
@@ -9701,11 +9681,7 @@
             </a:r>
             <a:r>
               <a:rPr lang="en-CA" sz="1800" dirty="0" smtClean="0"/>
-              <a:t>For </a:t>
-            </a:r>
-            <a:r>
-              <a:rPr lang="en-CA" sz="1800" dirty="0" smtClean="0"/>
-              <a:t>STUDENT/{GRADUATE_STUDENT, UNDERGRADUATE_STUDENT} by including the type attributes </a:t>
+              <a:t>For STUDENT/{GRADUATE_STUDENT, UNDERGRADUATE_STUDENT} by including the type attributes </a:t>
             </a:r>
             <a:r>
               <a:rPr lang="en-CA" sz="1800" dirty="0" err="1" smtClean="0"/>
@@ -21124,11 +21100,7 @@
             </a:pPr>
             <a:r>
               <a:rPr lang="en-US" altLang="en-US" sz="4400" b="1" dirty="0" smtClean="0"/>
-              <a:t>Relational Database </a:t>
-            </a:r>
-            <a:r>
-              <a:rPr lang="en-US" altLang="en-US" sz="4400" b="1" dirty="0" smtClean="0"/>
-              <a:t>Design</a:t>
+              <a:t>Relational Database Design</a:t>
             </a:r>
           </a:p>
           <a:p>
@@ -21147,11 +21119,7 @@
             </a:pPr>
             <a:r>
               <a:rPr lang="en-US" altLang="en-US" sz="4400" b="1" dirty="0" smtClean="0"/>
-              <a:t>ER- </a:t>
-            </a:r>
-            <a:r>
-              <a:rPr lang="en-US" altLang="en-US" sz="4400" b="1" dirty="0" smtClean="0"/>
-              <a:t>and EERR-to-Relational Mapping</a:t>
+              <a:t>ER- and EERR-to-Relational Mapping</a:t>
             </a:r>
           </a:p>
         </p:txBody>
@@ -22163,7 +22131,7 @@
             <a:prstGeom prst="straightConnector1">
               <a:avLst/>
             </a:prstGeom>
-            <a:ln w="19050">
+            <a:ln w="28575">
               <a:headEnd type="none" w="med" len="med"/>
               <a:tailEnd type="triangle"/>
             </a:ln>
@@ -22199,7 +22167,7 @@
                 <a:gd name="adj1" fmla="val 5000"/>
               </a:avLst>
             </a:prstGeom>
-            <a:ln w="19050">
+            <a:ln w="28575">
               <a:headEnd type="none" w="med" len="med"/>
               <a:tailEnd type="none" w="med" len="med"/>
             </a:ln>
@@ -22220,88 +22188,73 @@
           </p:style>
         </p:cxnSp>
       </p:grpSp>
-      <p:grpSp>
-        <p:nvGrpSpPr>
-          <p:cNvPr id="34" name="Group 33"/>
-          <p:cNvGrpSpPr/>
+      <p:cxnSp>
+        <p:nvCxnSpPr>
+          <p:cNvPr id="16" name="Straight Connector 15"/>
+          <p:cNvCxnSpPr/>
           <p:nvPr/>
-        </p:nvGrpSpPr>
-        <p:grpSpPr>
+        </p:nvCxnSpPr>
+        <p:spPr bwMode="auto">
           <a:xfrm>
-            <a:off x="2590800" y="5285781"/>
-            <a:ext cx="6096000" cy="1267419"/>
-            <a:chOff x="2590800" y="5285781"/>
-            <a:chExt cx="6096000" cy="1267419"/>
+            <a:off x="8683690" y="5337337"/>
+            <a:ext cx="0" cy="1424826"/>
           </a:xfrm>
-        </p:grpSpPr>
-        <p:cxnSp>
-          <p:nvCxnSpPr>
-            <p:cNvPr id="16" name="Straight Connector 15"/>
-            <p:cNvCxnSpPr/>
-            <p:nvPr/>
-          </p:nvCxnSpPr>
-          <p:spPr bwMode="auto">
-            <a:xfrm>
-              <a:off x="2590800" y="6388480"/>
-              <a:ext cx="0" cy="164720"/>
-            </a:xfrm>
-            <a:prstGeom prst="line">
-              <a:avLst/>
-            </a:prstGeom>
-            <a:ln w="19050">
-              <a:headEnd type="none" w="med" len="med"/>
-              <a:tailEnd type="none" w="med" len="med"/>
-            </a:ln>
-          </p:spPr>
-          <p:style>
-            <a:lnRef idx="1">
-              <a:schemeClr val="accent4"/>
-            </a:lnRef>
-            <a:fillRef idx="0">
-              <a:schemeClr val="accent4"/>
-            </a:fillRef>
-            <a:effectRef idx="0">
-              <a:schemeClr val="accent4"/>
-            </a:effectRef>
-            <a:fontRef idx="minor">
+          <a:prstGeom prst="line">
+            <a:avLst/>
+          </a:prstGeom>
+          <a:ln w="28575">
+            <a:headEnd type="none" w="med" len="med"/>
+            <a:tailEnd type="none" w="med" len="med"/>
+          </a:ln>
+        </p:spPr>
+        <p:style>
+          <a:lnRef idx="1">
+            <a:schemeClr val="accent4"/>
+          </a:lnRef>
+          <a:fillRef idx="0">
+            <a:schemeClr val="accent4"/>
+          </a:fillRef>
+          <a:effectRef idx="0">
+            <a:schemeClr val="accent4"/>
+          </a:effectRef>
+          <a:fontRef idx="minor">
+            <a:schemeClr val="tx1"/>
+          </a:fontRef>
+        </p:style>
+      </p:cxnSp>
+      <p:cxnSp>
+        <p:nvCxnSpPr>
+          <p:cNvPr id="31" name="Elbow Connector 30"/>
+          <p:cNvCxnSpPr/>
+          <p:nvPr/>
+        </p:nvCxnSpPr>
+        <p:spPr bwMode="auto">
+          <a:xfrm rot="10800000">
+            <a:off x="2789854" y="6400803"/>
+            <a:ext cx="5893837" cy="361361"/>
+          </a:xfrm>
+          <a:prstGeom prst="bentConnector3">
+            <a:avLst>
+              <a:gd name="adj1" fmla="val 100026"/>
+            </a:avLst>
+          </a:prstGeom>
+          <a:blipFill dpi="0" rotWithShape="0">
+            <a:blip r:embed="rId4"/>
+            <a:srcRect/>
+            <a:tile tx="0" ty="0" sx="100000" sy="100000" flip="none" algn="tl"/>
+          </a:blipFill>
+          <a:ln w="28575" cap="flat" cmpd="sng" algn="ctr">
+            <a:solidFill>
               <a:schemeClr val="tx1"/>
-            </a:fontRef>
-          </p:style>
-        </p:cxnSp>
-        <p:cxnSp>
-          <p:nvCxnSpPr>
-            <p:cNvPr id="31" name="Elbow Connector 30"/>
-            <p:cNvCxnSpPr/>
-            <p:nvPr/>
-          </p:nvCxnSpPr>
-          <p:spPr bwMode="auto">
-            <a:xfrm flipV="1">
-              <a:off x="2590800" y="5285781"/>
-              <a:ext cx="6096000" cy="1267419"/>
-            </a:xfrm>
-            <a:prstGeom prst="bentConnector3">
-              <a:avLst>
-                <a:gd name="adj1" fmla="val 100157"/>
-              </a:avLst>
-            </a:prstGeom>
-            <a:blipFill dpi="0" rotWithShape="0">
-              <a:blip r:embed="rId4"/>
-              <a:srcRect/>
-              <a:tile tx="0" ty="0" sx="100000" sy="100000" flip="none" algn="tl"/>
-            </a:blipFill>
-            <a:ln w="19050" cap="flat" cmpd="sng" algn="ctr">
-              <a:solidFill>
-                <a:schemeClr val="tx1"/>
-              </a:solidFill>
-              <a:prstDash val="solid"/>
-              <a:round/>
-              <a:headEnd type="none" w="med" len="med"/>
-              <a:tailEnd type="triangle"/>
-            </a:ln>
-            <a:effectLst/>
-          </p:spPr>
-        </p:cxnSp>
-      </p:grpSp>
+            </a:solidFill>
+            <a:prstDash val="solid"/>
+            <a:round/>
+            <a:headEnd type="none" w="med" len="med"/>
+            <a:tailEnd type="triangle"/>
+          </a:ln>
+          <a:effectLst/>
+        </p:spPr>
+      </p:cxnSp>
     </p:spTree>
     <p:extLst>
       <p:ext uri="{BB962C8B-B14F-4D97-AF65-F5344CB8AC3E}">
@@ -22636,33 +22589,6 @@
                                         </p:cTn>
                                         <p:tgtEl>
                                           <p:spTgt spid="24"/>
-                                        </p:tgtEl>
-                                        <p:attrNameLst>
-                                          <p:attrName>style.visibility</p:attrName>
-                                        </p:attrNameLst>
-                                      </p:cBhvr>
-                                      <p:to>
-                                        <p:strVal val="visible"/>
-                                      </p:to>
-                                    </p:set>
-                                  </p:childTnLst>
-                                </p:cTn>
-                              </p:par>
-                              <p:par>
-                                <p:cTn id="31" presetID="1" presetClass="entr" presetSubtype="0" fill="hold" nodeType="withEffect">
-                                  <p:stCondLst>
-                                    <p:cond delay="0"/>
-                                  </p:stCondLst>
-                                  <p:childTnLst>
-                                    <p:set>
-                                      <p:cBhvr>
-                                        <p:cTn id="32" dur="1" fill="hold">
-                                          <p:stCondLst>
-                                            <p:cond delay="0"/>
-                                          </p:stCondLst>
-                                        </p:cTn>
-                                        <p:tgtEl>
-                                          <p:spTgt spid="34"/>
                                         </p:tgtEl>
                                         <p:attrNameLst>
                                           <p:attrName>style.visibility</p:attrName>
@@ -31745,16 +31671,7 @@
                 </a:solidFill>
                 <a:latin typeface="+mj-lt"/>
               </a:rPr>
-              <a:t>Mapping the EER schema using option </a:t>
-            </a:r>
-            <a:r>
-              <a:rPr lang="en-US" altLang="en-US" dirty="0" smtClean="0">
-                <a:solidFill>
-                  <a:schemeClr val="bg1"/>
-                </a:solidFill>
-                <a:latin typeface="+mj-lt"/>
-              </a:rPr>
-              <a:t>8C. </a:t>
+              <a:t>Mapping the EER schema using option 8C. </a:t>
             </a:r>
             <a:endParaRPr lang="en-US" altLang="en-US" b="1" dirty="0" smtClean="0">
               <a:solidFill>
@@ -37641,11 +37558,7 @@
             </a:r>
             <a:r>
               <a:rPr lang="en-US" altLang="en-US" dirty="0" smtClean="0"/>
-              <a:t>; otherwise, the shared subclass would be modeled as a category</a:t>
-            </a:r>
-            <a:r>
-              <a:rPr lang="en-US" altLang="en-US" dirty="0" smtClean="0"/>
-              <a:t>.</a:t>
+              <a:t>; otherwise, the shared subclass would be modeled as a category.</a:t>
             </a:r>
           </a:p>
           <a:p>
@@ -37658,7 +37571,6 @@
               <a:rPr lang="en-US" altLang="en-US" sz="2400" dirty="0" smtClean="0"/>
               <a:t>We can apply any of the options discussed in Step 8 to a shared subclass, subject to the restriction discussed in Step 8 of the mapping algorithm. Below both 8C and 8D are used for the shared class STUDENT_ASSISTANT.</a:t>
             </a:r>
-            <a:endParaRPr lang="en-US" altLang="en-US" sz="2400" dirty="0" smtClean="0"/>
           </a:p>
         </p:txBody>
       </p:sp>
@@ -40501,11 +40413,7 @@
             </a:r>
             <a:r>
               <a:rPr lang="en-US" altLang="en-US" sz="3200" b="1" dirty="0" smtClean="0"/>
-              <a:t>previous </a:t>
-            </a:r>
-            <a:r>
-              <a:rPr lang="en-US" altLang="en-US" sz="3200" b="1" dirty="0" smtClean="0"/>
-              <a:t>slide</a:t>
+              <a:t>previous slide</a:t>
             </a:r>
             <a:r>
               <a:rPr lang="en-US" altLang="en-US" sz="3200" b="1" spc="-200" dirty="0" smtClean="0">
@@ -40761,11 +40669,7 @@
             </a:pPr>
             <a:r>
               <a:rPr lang="en-US" altLang="en-US" sz="2400" b="1" dirty="0" smtClean="0"/>
-              <a:t>Mapping </a:t>
-            </a:r>
-            <a:r>
-              <a:rPr lang="en-US" altLang="en-US" sz="2400" b="1" dirty="0" smtClean="0"/>
-              <a:t>EER Model Constructs to Relations </a:t>
+              <a:t>Mapping EER Model Constructs to Relations </a:t>
             </a:r>
           </a:p>
           <a:p>
@@ -40907,13 +40811,8 @@
             <a:pPr eaLnBrk="1" hangingPunct="1"/>
             <a:r>
               <a:rPr lang="en-US" altLang="en-US" sz="3200" b="1" dirty="0" smtClean="0"/>
-              <a:t>Mapping </a:t>
-            </a:r>
-            <a:r>
-              <a:rPr lang="en-US" altLang="en-US" sz="3200" b="1" dirty="0" smtClean="0"/>
-              <a:t>Exercise-2</a:t>
-            </a:r>
-            <a:endParaRPr lang="en-US" altLang="en-US" sz="3200" b="1" dirty="0" smtClean="0"/>
+              <a:t>Mapping Exercise-2</a:t>
+            </a:r>
           </a:p>
         </p:txBody>
       </p:sp>
@@ -41298,11 +41197,7 @@
           <a:p>
             <a:r>
               <a:rPr lang="en-US" altLang="en-US" b="1" dirty="0" smtClean="0"/>
-              <a:t>Mapping </a:t>
-            </a:r>
-            <a:r>
-              <a:rPr lang="en-US" altLang="en-US" b="1" dirty="0" smtClean="0"/>
-              <a:t>Exercise-1</a:t>
+              <a:t>Mapping Exercise-1</a:t>
             </a:r>
             <a:endParaRPr lang="en-US" altLang="en-US" dirty="0" smtClean="0"/>
           </a:p>
